--- a/図作成用パワーポイント/monte.pptx
+++ b/図作成用パワーポイント/monte.pptx
@@ -4747,16 +4747,12 @@
           <a:lstStyle/>
           <a:p>
             <a:r>
-              <a:rPr lang="ja-JP" altLang="en-US" sz="3600" dirty="0"/>
+              <a:rPr lang="ja-JP" altLang="en-US" sz="3600"/>
               <a:t>次</a:t>
             </a:r>
             <a:r>
-              <a:rPr lang="ja-JP" altLang="en-US" sz="3600" dirty="0" smtClean="0"/>
-              <a:t>の</a:t>
-            </a:r>
-            <a:r>
-              <a:rPr lang="ja-JP" altLang="en-US" sz="3600" dirty="0"/>
-              <a:t>選択</a:t>
+              <a:rPr lang="ja-JP" altLang="en-US" sz="3600" smtClean="0"/>
+              <a:t>の操作</a:t>
             </a:r>
             <a:endParaRPr kumimoji="1" lang="ja-JP" altLang="en-US" sz="3600" dirty="0"/>
           </a:p>
